--- a/Lectures/10.Debugging_and_VM/Lecture10.pptx
+++ b/Lectures/10.Debugging_and_VM/Lecture10.pptx
@@ -8198,17 +8198,7 @@
             </a:r>
             <a:r>
               <a:rPr lang="ru-RU" dirty="0"/>
-              <a:t>в сохраненном состоянии программы;</a:t>
-            </a:r>
-            <a:endParaRPr lang="en-US" dirty="0"/>
-          </a:p>
-          <a:p>
-            <a:pPr marL="914400" lvl="1" indent="-457200">
-              <a:buAutoNum type="arabicPeriod"/>
-            </a:pPr>
-            <a:r>
-              <a:rPr lang="ru-RU" dirty="0"/>
-              <a:t>передает выполнение программе.</a:t>
+              <a:t>в сохраненном состоянии программы, включая режим пошагового выполнения.</a:t>
             </a:r>
             <a:endParaRPr lang="en-US" dirty="0"/>
           </a:p>
@@ -8218,23 +8208,7 @@
             </a:pPr>
             <a:r>
               <a:rPr lang="ru-RU" sz="2000" dirty="0"/>
-              <a:t>После чего выполняется исходная инструкция, </a:t>
-            </a:r>
-            <a:r>
-              <a:rPr lang="en-US" sz="2000" dirty="0"/>
-              <a:t>RFLAGS.TF </a:t>
-            </a:r>
-            <a:r>
-              <a:rPr lang="ru-RU" sz="2000" dirty="0"/>
-              <a:t>вызывает исключение </a:t>
-            </a:r>
-            <a:r>
-              <a:rPr lang="en-US" sz="2000" dirty="0"/>
-              <a:t>#DB </a:t>
-            </a:r>
-            <a:r>
-              <a:rPr lang="ru-RU" sz="2000" dirty="0"/>
-              <a:t>и управление вновь передается отладчику.</a:t>
+              <a:t>В итоге программа оказывается остановлена прямо перед выполнением инструкции, на которой находилась точка останова. </a:t>
             </a:r>
           </a:p>
         </p:txBody>
@@ -24666,6 +24640,78 @@
           </a:fontRef>
         </p:style>
       </p:cxnSp>
+      <p:cxnSp>
+        <p:nvCxnSpPr>
+          <p:cNvPr id="4" name="Прямая соединительная линия 3">
+            <a:extLst>
+              <a:ext uri="{FF2B5EF4-FFF2-40B4-BE49-F238E27FC236}">
+                <a16:creationId xmlns:a16="http://schemas.microsoft.com/office/drawing/2014/main" id="{B687E45A-7DCD-6D28-5BD9-662CE5975CC6}"/>
+              </a:ext>
+            </a:extLst>
+          </p:cNvPr>
+          <p:cNvCxnSpPr/>
+          <p:nvPr/>
+        </p:nvCxnSpPr>
+        <p:spPr>
+          <a:xfrm flipH="1">
+            <a:off x="7442615" y="3782815"/>
+            <a:ext cx="197827" cy="192264"/>
+          </a:xfrm>
+          <a:prstGeom prst="line">
+            <a:avLst/>
+          </a:prstGeom>
+        </p:spPr>
+        <p:style>
+          <a:lnRef idx="1">
+            <a:schemeClr val="dk1"/>
+          </a:lnRef>
+          <a:fillRef idx="0">
+            <a:schemeClr val="dk1"/>
+          </a:fillRef>
+          <a:effectRef idx="0">
+            <a:schemeClr val="dk1"/>
+          </a:effectRef>
+          <a:fontRef idx="minor">
+            <a:schemeClr val="tx1"/>
+          </a:fontRef>
+        </p:style>
+      </p:cxnSp>
+      <p:cxnSp>
+        <p:nvCxnSpPr>
+          <p:cNvPr id="18" name="Прямая соединительная линия 17">
+            <a:extLst>
+              <a:ext uri="{FF2B5EF4-FFF2-40B4-BE49-F238E27FC236}">
+                <a16:creationId xmlns:a16="http://schemas.microsoft.com/office/drawing/2014/main" id="{688BBC21-7F1A-D6DE-272C-02F6EA0B3ED1}"/>
+              </a:ext>
+            </a:extLst>
+          </p:cNvPr>
+          <p:cNvCxnSpPr/>
+          <p:nvPr/>
+        </p:nvCxnSpPr>
+        <p:spPr>
+          <a:xfrm>
+            <a:off x="8402127" y="3782815"/>
+            <a:ext cx="2134254" cy="192264"/>
+          </a:xfrm>
+          <a:prstGeom prst="line">
+            <a:avLst/>
+          </a:prstGeom>
+        </p:spPr>
+        <p:style>
+          <a:lnRef idx="1">
+            <a:schemeClr val="dk1"/>
+          </a:lnRef>
+          <a:fillRef idx="0">
+            <a:schemeClr val="dk1"/>
+          </a:fillRef>
+          <a:effectRef idx="0">
+            <a:schemeClr val="dk1"/>
+          </a:effectRef>
+          <a:fontRef idx="minor">
+            <a:schemeClr val="tx1"/>
+          </a:fontRef>
+        </p:style>
+      </p:cxnSp>
     </p:spTree>
     <p:extLst>
       <p:ext uri="{BB962C8B-B14F-4D97-AF65-F5344CB8AC3E}">
@@ -24834,23 +24880,7 @@
             </a:r>
             <a:r>
               <a:rPr lang="en-US" sz="2000" dirty="0"/>
-              <a:t>breakpoint, </a:t>
-            </a:r>
-            <a:r>
-              <a:rPr lang="ru-RU" sz="2000" dirty="0"/>
-              <a:t>сленг. </a:t>
-            </a:r>
-            <a:r>
-              <a:rPr lang="en-US" sz="2000" dirty="0"/>
-              <a:t>“</a:t>
-            </a:r>
-            <a:r>
-              <a:rPr lang="ru-RU" sz="2000" dirty="0"/>
-              <a:t>бряк</a:t>
-            </a:r>
-            <a:r>
-              <a:rPr lang="en-US" sz="2000" dirty="0"/>
-              <a:t>”</a:t>
+              <a:t>breakpoint</a:t>
             </a:r>
             <a:r>
               <a:rPr lang="ru-RU" sz="2000" dirty="0"/>
@@ -25974,7 +26004,7 @@
             </a:pPr>
             <a:r>
               <a:rPr lang="ru-RU" sz="2000" dirty="0"/>
-              <a:t>Отладчики «договариваются» с ОС о том, что сигнал сначала отправляется отладчику, который принимает решение о дальнейших действиях. Программа при этом просто приостанавливается, ожидая решения отладчика.</a:t>
+              <a:t>Отладчики «договариваются» с ОС о том, что сигнал сначала отправляется отладчику, который принимает решение о дальнейших действиях. Программа при этом просто приостанавливается до решения отладчика.</a:t>
             </a:r>
           </a:p>
           <a:p>
